--- a/chapter-05/03-ingress/05_03_ingress.pptx
+++ b/chapter-05/03-ingress/05_03_ingress.pptx
@@ -259,7 +259,7 @@
           <a:p>
             <a:fld id="{7C2A2C10-8C9F-9B42-9862-A5B84F1CAB8B}" type="datetimeFigureOut">
               <a:rPr lang="en-US" smtClean="0"/>
-              <a:t>4/17/2023</a:t>
+              <a:t>4/21/2023</a:t>
             </a:fld>
             <a:endParaRPr lang="en-US"/>
           </a:p>
@@ -15464,10 +15464,18 @@
           <a:p>
             <a:r>
               <a:rPr lang="en-US" dirty="0"/>
-              <a:t>Create an Ingress for the wisdompetmed.com host that maps the ‘/pets’ prefix to a service named ‘</a:t>
-            </a:r>
-            <a:r>
-              <a:rPr lang="en-US"/>
+              <a:t>Create an Ingress named ‘</a:t>
+            </a:r>
+            <a:r>
+              <a:rPr lang="en-US" dirty="0" err="1"/>
+              <a:t>myingress</a:t>
+            </a:r>
+            <a:r>
+              <a:rPr lang="en-US" dirty="0"/>
+              <a:t>’  that uses the wisdompetmed.com host and maps the ‘/pets’ prefix to a service named ‘</a:t>
+            </a:r>
+            <a:r>
+              <a:rPr lang="en-US" dirty="0" err="1"/>
               <a:t>myservice</a:t>
             </a:r>
             <a:r>
